--- a/Presentation.pptx
+++ b/Presentation.pptx
@@ -10534,11 +10534,7 @@
             </a:r>
             <a:r>
               <a:rPr lang="en-US" sz="2000" dirty="0" smtClean="0"/>
-              <a:t>x1 </a:t>
-            </a:r>
-            <a:r>
-              <a:rPr lang="en-US" sz="2000" dirty="0" smtClean="0"/>
-              <a:t>and</a:t>
+              <a:t>x1 and</a:t>
             </a:r>
             <a:r>
               <a:rPr lang="ru-RU" sz="2000" dirty="0" smtClean="0"/>
@@ -10584,16 +10580,7 @@
                 </a:solidFill>
                 <a:sym typeface="Arial"/>
               </a:rPr>
-              <a:t>– </a:t>
-            </a:r>
-            <a:r>
-              <a:rPr lang="ru-RU" sz="2000" b="0" i="0" u="none" strike="noStrike" cap="none" dirty="0" smtClean="0">
-                <a:solidFill>
-                  <a:schemeClr val="dk2"/>
-                </a:solidFill>
-                <a:sym typeface="Arial"/>
-              </a:rPr>
-              <a:t>350 (50 </a:t>
+              <a:t>– 350 (50 </a:t>
             </a:r>
             <a:r>
               <a:rPr lang="en-US" sz="2000" b="0" i="0" u="none" strike="noStrike" cap="none" dirty="0" smtClean="0">
@@ -10611,16 +10598,7 @@
                 </a:solidFill>
                 <a:sym typeface="Arial"/>
               </a:rPr>
-              <a:t>, </a:t>
-            </a:r>
-            <a:r>
-              <a:rPr lang="ru-RU" sz="2000" b="0" i="0" u="none" strike="noStrike" cap="none" dirty="0" smtClean="0">
-                <a:solidFill>
-                  <a:schemeClr val="dk2"/>
-                </a:solidFill>
-                <a:sym typeface="Arial"/>
-              </a:rPr>
-              <a:t>300 </a:t>
+              <a:t>, 300 </a:t>
             </a:r>
             <a:r>
               <a:rPr lang="en-US" sz="2000" b="0" i="0" u="none" strike="noStrike" cap="none" dirty="0" smtClean="0">
@@ -11959,8 +11937,8 @@
           </a:p>
         </p:txBody>
       </p:sp>
-      <mc:AlternateContent xmlns:mc="http://schemas.openxmlformats.org/markup-compatibility/2006">
-        <mc:Choice xmlns:a14="http://schemas.microsoft.com/office/drawing/2010/main" Requires="a14">
+      <mc:AlternateContent xmlns:mc="http://schemas.openxmlformats.org/markup-compatibility/2006" xmlns:a14="http://schemas.microsoft.com/office/drawing/2010/main">
+        <mc:Choice Requires="a14">
           <p:sp>
             <p:nvSpPr>
               <p:cNvPr id="73" name="Shape 73"/>
@@ -12397,7 +12375,7 @@
             </p:txBody>
           </p:sp>
         </mc:Choice>
-        <mc:Fallback>
+        <mc:Fallback xmlns="">
           <p:sp>
             <p:nvSpPr>
               <p:cNvPr id="73" name="Shape 73"/>
@@ -13511,11 +13489,7 @@
             </a:r>
             <a:r>
               <a:rPr lang="en-US" sz="2000" dirty="0" smtClean="0"/>
-              <a:t>is a graphical plot of its</a:t>
-            </a:r>
-            <a:r>
-              <a:rPr lang="en-US" sz="2000" dirty="0" smtClean="0"/>
-              <a:t> sensitivity (true positive rate) against the 1-specificity (false positive rate) at various thresholds </a:t>
+              <a:t>is a graphical plot of its sensitivity (true positive rate) against the 1-specificity (false positive rate) at various thresholds </a:t>
             </a:r>
             <a:r>
               <a:rPr lang="en-US" sz="2000" i="1" dirty="0" smtClean="0"/>
@@ -13537,11 +13511,7 @@
             </a:pPr>
             <a:r>
               <a:rPr lang="en-US" sz="2000" b="1" dirty="0" smtClean="0"/>
-              <a:t>PR </a:t>
-            </a:r>
-            <a:r>
-              <a:rPr lang="en-US" sz="2000" b="1" dirty="0" smtClean="0"/>
-              <a:t>(Precision-Recall) curve </a:t>
+              <a:t>PR (Precision-Recall) curve </a:t>
             </a:r>
             <a:r>
               <a:rPr lang="en-US" sz="2000" dirty="0"/>
@@ -13557,15 +13527,7 @@
             </a:r>
             <a:r>
               <a:rPr lang="en-US" sz="2000" dirty="0" smtClean="0"/>
-              <a:t>precision (PREC) against RECALL (REC) at various </a:t>
-            </a:r>
-            <a:r>
-              <a:rPr lang="en-US" sz="2000" dirty="0" smtClean="0"/>
-              <a:t>t</a:t>
-            </a:r>
-            <a:r>
-              <a:rPr lang="en-US" sz="2000" dirty="0" smtClean="0"/>
-              <a:t>hresholds </a:t>
+              <a:t>precision (PREC) against RECALL (REC) at various thresholds </a:t>
             </a:r>
             <a:r>
               <a:rPr lang="en-US" sz="2000" i="1" dirty="0"/>
@@ -13734,8 +13696,8 @@
           </a:p>
         </p:txBody>
       </p:sp>
-      <mc:AlternateContent xmlns:mc="http://schemas.openxmlformats.org/markup-compatibility/2006">
-        <mc:Choice xmlns:a14="http://schemas.microsoft.com/office/drawing/2010/main" Requires="a14">
+      <mc:AlternateContent xmlns:mc="http://schemas.openxmlformats.org/markup-compatibility/2006" xmlns:a14="http://schemas.microsoft.com/office/drawing/2010/main">
+        <mc:Choice Requires="a14">
           <p:sp>
             <p:nvSpPr>
               <p:cNvPr id="73" name="Shape 73"/>
@@ -13841,7 +13803,7 @@
                     <m:sSub>
                       <m:sSubPr>
                         <m:ctrlPr>
-                          <a:rPr lang="en-US" sz="2000" b="0" smtClean="0">
+                          <a:rPr lang="en-US" sz="2000" b="0" i="1" smtClean="0">
                             <a:latin typeface="Cambria Math"/>
                           </a:rPr>
                         </m:ctrlPr>
@@ -13869,7 +13831,7 @@
                     <m:sSub>
                       <m:sSubPr>
                         <m:ctrlPr>
-                          <a:rPr lang="en-US" sz="2000">
+                          <a:rPr lang="en-US" sz="2000" i="1">
                             <a:latin typeface="Cambria Math"/>
                           </a:rPr>
                         </m:ctrlPr>
@@ -13903,7 +13865,7 @@
                     <m:f>
                       <m:fPr>
                         <m:ctrlPr>
-                          <a:rPr lang="en-US" sz="2000" b="0" smtClean="0">
+                          <a:rPr lang="en-US" sz="2000" b="0" i="1" smtClean="0">
                             <a:latin typeface="Cambria Math"/>
                           </a:rPr>
                         </m:ctrlPr>
@@ -13912,7 +13874,7 @@
                         <m:sSub>
                           <m:sSubPr>
                             <m:ctrlPr>
-                              <a:rPr lang="en-US" sz="2000">
+                              <a:rPr lang="en-US" sz="2000" i="1">
                                 <a:latin typeface="Cambria Math"/>
                               </a:rPr>
                             </m:ctrlPr>
@@ -13949,7 +13911,7 @@
                         <m:sSub>
                           <m:sSubPr>
                             <m:ctrlPr>
-                              <a:rPr lang="en-US" sz="2000">
+                              <a:rPr lang="en-US" sz="2000" i="1">
                                 <a:latin typeface="Cambria Math"/>
                               </a:rPr>
                             </m:ctrlPr>
@@ -14002,7 +13964,7 @@
                     <m:sSub>
                       <m:sSubPr>
                         <m:ctrlPr>
-                          <a:rPr lang="en-US" sz="2000" b="0" smtClean="0">
+                          <a:rPr lang="en-US" sz="2000" b="0" i="1" smtClean="0">
                             <a:latin typeface="Cambria Math"/>
                           </a:rPr>
                         </m:ctrlPr>
@@ -14223,7 +14185,7 @@
             </p:txBody>
           </p:sp>
         </mc:Choice>
-        <mc:Fallback>
+        <mc:Fallback xmlns="">
           <p:sp>
             <p:nvSpPr>
               <p:cNvPr id="73" name="Shape 73"/>
@@ -14775,15 +14737,7 @@
                 </a:pPr>
                 <a:r>
                   <a:rPr lang="en-US" sz="1600" dirty="0" smtClean="0"/>
-                  <a:t>                                                                             </a:t>
-                </a:r>
-                <a:r>
-                  <a:rPr lang="en-US" sz="1600" dirty="0" smtClean="0"/>
-                  <a:t>where</a:t>
-                </a:r>
-                <a:r>
-                  <a:rPr lang="en-US" sz="1600" dirty="0" smtClean="0"/>
-                  <a:t>:</a:t>
+                  <a:t>                                                                             where:</a:t>
                 </a:r>
               </a:p>
               <a:p>
@@ -15411,7 +15365,7 @@
         <p:spPr bwMode="auto">
           <a:xfrm>
             <a:off x="4401862" y="671009"/>
-            <a:ext cx="4742138" cy="3556603"/>
+            <a:ext cx="4742137" cy="3556603"/>
           </a:xfrm>
           <a:prstGeom prst="rect">
             <a:avLst/>
@@ -16388,8 +16342,8 @@
           </a:p>
         </p:txBody>
       </p:sp>
-      <mc:AlternateContent xmlns:mc="http://schemas.openxmlformats.org/markup-compatibility/2006">
-        <mc:Choice xmlns:a14="http://schemas.microsoft.com/office/drawing/2010/main" Requires="a14">
+      <mc:AlternateContent xmlns:mc="http://schemas.openxmlformats.org/markup-compatibility/2006" xmlns:a14="http://schemas.microsoft.com/office/drawing/2010/main">
+        <mc:Choice Requires="a14">
           <p:sp>
             <p:nvSpPr>
               <p:cNvPr id="11" name="Shape 73"/>
@@ -16860,7 +16814,7 @@
                       <m:sSub>
                         <m:sSubPr>
                           <m:ctrlPr>
-                            <a:rPr lang="en" dirty="0" smtClean="0">
+                            <a:rPr lang="en" i="1" dirty="0" smtClean="0">
                               <a:solidFill>
                                 <a:schemeClr val="bg2"/>
                               </a:solidFill>
@@ -16934,7 +16888,7 @@
                       <m:sSub>
                         <m:sSubPr>
                           <m:ctrlPr>
-                            <a:rPr lang="en-US" b="0" dirty="0" smtClean="0">
+                            <a:rPr lang="en-US" b="0" i="1" dirty="0" smtClean="0">
                               <a:solidFill>
                                 <a:schemeClr val="bg2"/>
                               </a:solidFill>
@@ -16993,7 +16947,7 @@
             </p:txBody>
           </p:sp>
         </mc:Choice>
-        <mc:Fallback>
+        <mc:Fallback xmlns="">
           <p:sp>
             <p:nvSpPr>
               <p:cNvPr id="11" name="Shape 73"/>
@@ -17035,8 +16989,8 @@
           </p:sp>
         </mc:Fallback>
       </mc:AlternateContent>
-      <mc:AlternateContent xmlns:mc="http://schemas.openxmlformats.org/markup-compatibility/2006">
-        <mc:Choice xmlns:a14="http://schemas.microsoft.com/office/drawing/2010/main" Requires="a14">
+      <mc:AlternateContent xmlns:mc="http://schemas.openxmlformats.org/markup-compatibility/2006" xmlns:a14="http://schemas.microsoft.com/office/drawing/2010/main">
+        <mc:Choice Requires="a14">
           <p:sp>
             <p:nvSpPr>
               <p:cNvPr id="5" name="Shape 73"/>
@@ -17099,28 +17053,20 @@
                   <a:buNone/>
                 </a:pPr>
                 <a:r>
-                  <a:rPr lang="en-US" sz="1600" b="1" u="none" strike="noStrike" cap="none" dirty="0" smtClean="0">
-                    <a:solidFill>
-                      <a:schemeClr val="dk2"/>
-                    </a:solidFill>
+                  <a:rPr lang="en-US" sz="1600" b="1" dirty="0" smtClean="0">
                     <a:latin typeface="+mn-lt"/>
-                    <a:sym typeface="Arial"/>
                   </a:rPr>
-                  <a:t>H0: </a:t>
+                  <a:t>H0:</a:t>
                 </a:r>
                 <a:r>
-                  <a:rPr lang="en-US" sz="1600" u="none" strike="noStrike" cap="none" dirty="0" smtClean="0">
-                    <a:solidFill>
-                      <a:schemeClr val="dk2"/>
-                    </a:solidFill>
+                  <a:rPr lang="en-US" sz="1600" dirty="0" smtClean="0">
                     <a:latin typeface="+mn-lt"/>
-                    <a:sym typeface="Arial"/>
                   </a:rPr>
-                  <a:t>scores of the positive sample is greater than scores of the negative sample</a:t>
+                  <a:t> scores of the positive sample is the same as scores of the negative sample</a:t>
                 </a:r>
               </a:p>
               <a:p>
-                <a:pPr lvl="0" indent="0">
+                <a:pPr indent="0">
                   <a:spcAft>
                     <a:spcPts val="0"/>
                   </a:spcAft>
@@ -17128,17 +17074,20 @@
                   <a:buNone/>
                 </a:pPr>
                 <a:r>
-                  <a:rPr lang="en-US" sz="1600" b="1" dirty="0" smtClean="0">
-                    <a:latin typeface="+mn-lt"/>
-                  </a:rPr>
-                  <a:t>H1:</a:t>
+                  <a:rPr lang="en-US" sz="1600" b="1" dirty="0"/>
+                  <a:t>H1: </a:t>
                 </a:r>
                 <a:r>
-                  <a:rPr lang="en-US" sz="1600" dirty="0" smtClean="0">
-                    <a:latin typeface="+mn-lt"/>
-                  </a:rPr>
-                  <a:t> scores of the positive sample is not greater than scores of the negative sample</a:t>
+                  <a:rPr lang="en-US" sz="1600" dirty="0"/>
+                  <a:t>scores of the positive sample is greater than scores of the negative </a:t>
                 </a:r>
+                <a:r>
+                  <a:rPr lang="en-US" sz="1600" dirty="0" smtClean="0"/>
+                  <a:t>sample</a:t>
+                </a:r>
+                <a:endParaRPr lang="en-US" sz="1600" dirty="0" smtClean="0">
+                  <a:latin typeface="+mn-lt"/>
+                </a:endParaRPr>
               </a:p>
               <a:p>
                 <a:pPr lvl="0" indent="0">
@@ -17162,7 +17111,7 @@
                     <m:sSub>
                       <m:sSubPr>
                         <m:ctrlPr>
-                          <a:rPr lang="en" sz="1600" u="none" strike="noStrike" cap="none" dirty="0" smtClean="0">
+                          <a:rPr lang="en" sz="1600" i="1" u="none" strike="noStrike" cap="none" dirty="0" smtClean="0">
                             <a:solidFill>
                               <a:schemeClr val="dk2"/>
                             </a:solidFill>
@@ -17393,7 +17342,7 @@
                 </a14:m>
                 <a:r>
                   <a:rPr lang="en" sz="1600" dirty="0" smtClean="0"/>
-                  <a:t>             H0 is accepted</a:t>
+                  <a:t>             H0 is rejected</a:t>
                 </a:r>
               </a:p>
               <a:p>
@@ -17423,15 +17372,15 @@
                     <m:sSup>
                       <m:sSupPr>
                         <m:ctrlPr>
-                          <a:rPr lang="en" sz="1600" dirty="0" smtClean="0">
-                            <a:latin typeface="+mn-lt"/>
+                          <a:rPr lang="en" sz="1600" i="1" dirty="0" smtClean="0">
+                            <a:latin typeface="Cambria Math"/>
                           </a:rPr>
                         </m:ctrlPr>
                       </m:sSupPr>
                       <m:e>
                         <m:r>
                           <a:rPr lang="en-US" sz="1600" b="0" i="0" dirty="0" smtClean="0">
-                            <a:latin typeface="+mn-lt"/>
+                            <a:latin typeface="Cambria Math"/>
                           </a:rPr>
                           <m:t>10</m:t>
                         </m:r>
@@ -17439,7 +17388,7 @@
                       <m:sup>
                         <m:r>
                           <a:rPr lang="en-US" sz="1600" b="0" i="0" dirty="0" smtClean="0">
-                            <a:latin typeface="+mn-lt"/>
+                            <a:latin typeface="Cambria Math"/>
                           </a:rPr>
                           <m:t>−12</m:t>
                         </m:r>
@@ -17458,7 +17407,7 @@
             </p:txBody>
           </p:sp>
         </mc:Choice>
-        <mc:Fallback>
+        <mc:Fallback xmlns="">
           <p:sp>
             <p:nvSpPr>
               <p:cNvPr id="5" name="Shape 73"/>
